--- a/covid-forecasts.pptx
+++ b/covid-forecasts.pptx
@@ -14,6 +14,7 @@
     <p:sldId id="259" r:id="rId11"/>
     <p:sldId id="260" r:id="rId12"/>
     <p:sldId id="261" r:id="rId13"/>
+    <p:sldId id="262" r:id="rId14"/>
   </p:sldIdLst>
   <p:sldSz cx="24384000" cy="13716000"/>
   <p:notesSz cx="6858000" cy="9144000"/>
@@ -515,7 +516,7 @@
       </p:grpSpPr>
       <p:sp>
         <p:nvSpPr>
-          <p:cNvPr id="205" name="Shape 205"/>
+          <p:cNvPr id="203" name="Shape 203"/>
           <p:cNvSpPr/>
           <p:nvPr>
             <p:ph type="sldImg"/>
@@ -536,7 +537,7 @@
       </p:sp>
       <p:sp>
         <p:nvSpPr>
-          <p:cNvPr id="206" name="Shape 206"/>
+          <p:cNvPr id="204" name="Shape 204"/>
           <p:cNvSpPr/>
           <p:nvPr>
             <p:ph type="body" sz="quarter" idx="1"/>
@@ -609,7 +610,7 @@
       </p:grpSpPr>
       <p:sp>
         <p:nvSpPr>
-          <p:cNvPr id="215" name="Shape 215"/>
+          <p:cNvPr id="213" name="Shape 213"/>
           <p:cNvSpPr/>
           <p:nvPr>
             <p:ph type="sldImg"/>
@@ -630,7 +631,7 @@
       </p:sp>
       <p:sp>
         <p:nvSpPr>
-          <p:cNvPr id="216" name="Shape 216"/>
+          <p:cNvPr id="214" name="Shape 214"/>
           <p:cNvSpPr/>
           <p:nvPr>
             <p:ph type="body" sz="quarter" idx="1"/>
@@ -703,7 +704,7 @@
       </p:grpSpPr>
       <p:sp>
         <p:nvSpPr>
-          <p:cNvPr id="227" name="Shape 227"/>
+          <p:cNvPr id="225" name="Shape 225"/>
           <p:cNvSpPr/>
           <p:nvPr>
             <p:ph type="sldImg"/>
@@ -724,7 +725,101 @@
       </p:sp>
       <p:sp>
         <p:nvSpPr>
-          <p:cNvPr id="228" name="Shape 228"/>
+          <p:cNvPr id="226" name="Shape 226"/>
+          <p:cNvSpPr/>
+          <p:nvPr>
+            <p:ph type="body" sz="quarter" idx="1"/>
+          </p:nvPr>
+        </p:nvSpPr>
+        <p:spPr>
+          <a:prstGeom prst="rect">
+            <a:avLst/>
+          </a:prstGeom>
+        </p:spPr>
+        <p:txBody>
+          <a:bodyPr/>
+          <a:lstStyle/>
+          <a:p>
+            <a:pPr/>
+            <a:r>
+              <a:t>It gives me no pleasure that my simple national model of coronavirus cases—project cases back three weeks from deaths, and then extrapolate case growth out from confirmed case growth and from the number of cases per test—is running dead-on:</a:t>
+            </a:r>
+          </a:p>
+          <a:p>
+            <a:pPr/>
+            <a:r>
+              <a:t>I forecast a week ago that we would have 6641 deaths in the seven days ending Th 2020-11-05.</a:t>
+            </a:r>
+          </a:p>
+          <a:p>
+            <a:pPr/>
+            <a:r>
+              <a:t>We had 6805 deaths.</a:t>
+            </a:r>
+          </a:p>
+          <a:p>
+            <a:pPr/>
+            <a:r>
+              <a:t>The model is now predicting that we will see 12893 deaths in the seven days ending on Thanksgiving: Th 2020-11-26. </a:t>
+            </a:r>
+          </a:p>
+          <a:p>
+            <a:pPr/>
+            <a:r>
+              <a:t>And if our current inferred last-three-weeks R=1.24 were to continue, we would have 3,671,728 cases in the seven days ending on Thanksgiving.</a:t>
+            </a:r>
+          </a:p>
+        </p:txBody>
+      </p:sp>
+    </p:spTree>
+  </p:cSld>
+  <p:clrMapOvr>
+    <a:masterClrMapping/>
+  </p:clrMapOvr>
+</p:notes>
+</file>
+
+<file path=ppt/notesSlides/notesSlide4.xml><?xml version="1.0" encoding="utf-8"?>
+<p:notes xmlns:a="http://schemas.openxmlformats.org/drawingml/2006/main" xmlns:r="http://schemas.openxmlformats.org/officeDocument/2006/relationships" xmlns:p="http://schemas.openxmlformats.org/presentationml/2006/main" xmlns:m="http://schemas.openxmlformats.org/officeDocument/2006/math" xmlns:a14="http://schemas.microsoft.com/office/drawing/2010/main" showMasterSp="1" showMasterPhAnim="1">
+  <p:cSld>
+    <p:spTree>
+      <p:nvGrpSpPr>
+        <p:cNvPr id="1" name=""/>
+        <p:cNvGrpSpPr/>
+        <p:nvPr/>
+      </p:nvGrpSpPr>
+      <p:grpSpPr>
+        <a:xfrm>
+          <a:off x="0" y="0"/>
+          <a:ext cx="0" cy="0"/>
+          <a:chOff x="0" y="0"/>
+          <a:chExt cx="0" cy="0"/>
+        </a:xfrm>
+      </p:grpSpPr>
+      <p:sp>
+        <p:nvSpPr>
+          <p:cNvPr id="237" name="Shape 237"/>
+          <p:cNvSpPr/>
+          <p:nvPr>
+            <p:ph type="sldImg"/>
+          </p:nvPr>
+        </p:nvSpPr>
+        <p:spPr>
+          <a:prstGeom prst="rect">
+            <a:avLst/>
+          </a:prstGeom>
+        </p:spPr>
+        <p:txBody>
+          <a:bodyPr/>
+          <a:lstStyle/>
+          <a:p>
+            <a:pPr/>
+          </a:p>
+        </p:txBody>
+      </p:sp>
+      <p:sp>
+        <p:nvSpPr>
+          <p:cNvPr id="238" name="Shape 238"/>
           <p:cNvSpPr/>
           <p:nvPr>
             <p:ph type="body" sz="quarter" idx="1"/>
@@ -5311,7 +5406,7 @@
       </p:pic>
       <p:sp>
         <p:nvSpPr>
-          <p:cNvPr id="197" name="2020-11-06"/>
+          <p:cNvPr id="197" name="2020-11-26"/>
           <p:cNvSpPr txBox="1"/>
           <p:nvPr/>
         </p:nvSpPr>
@@ -5360,7 +5455,7 @@
           <a:p>
             <a:pPr/>
             <a:r>
-              <a:t>2020-11-06</a:t>
+              <a:t>2020-11-26</a:t>
             </a:r>
           </a:p>
         </p:txBody>
@@ -5373,8 +5468,8 @@
         </p:nvSpPr>
         <p:spPr>
           <a:xfrm>
-            <a:off x="377206" y="2286000"/>
-            <a:ext cx="7620001" cy="10789928"/>
+            <a:off x="377206" y="10991909"/>
+            <a:ext cx="12839877" cy="2084019"/>
           </a:xfrm>
           <a:prstGeom prst="rect">
             <a:avLst/>
@@ -5416,7 +5511,138 @@
       </p:sp>
       <p:sp>
         <p:nvSpPr>
-          <p:cNvPr id="199" name="COVID Forecasts: 2020-11-12"/>
+          <p:cNvPr id="199" name="&lt;https://www.icloud.com/keynote/0bCYYctIKV9_4ICVqtSe5qItQ&gt; &lt;https://www.bradford-delong.com/2020/11/covid-forecasts.html&gt;"/>
+          <p:cNvSpPr txBox="1"/>
+          <p:nvPr/>
+        </p:nvSpPr>
+        <p:spPr>
+          <a:xfrm>
+            <a:off x="377206" y="13228327"/>
+            <a:ext cx="20282471" cy="487673"/>
+          </a:xfrm>
+          <a:prstGeom prst="rect">
+            <a:avLst/>
+          </a:prstGeom>
+          <a:ln w="12700">
+            <a:miter lim="400000"/>
+          </a:ln>
+          <a:extLst>
+            <a:ext uri="{C572A759-6A51-4108-AA02-DFA0A04FC94B}">
+              <ma14:wrappingTextBoxFlag xmlns:ma14="http://schemas.microsoft.com/office/mac/drawingml/2011/main" val="1"/>
+            </a:ext>
+          </a:extLst>
+        </p:spPr>
+        <p:txBody>
+          <a:bodyPr lIns="91436" tIns="91436" rIns="91436" bIns="91436">
+            <a:spAutoFit/>
+          </a:bodyPr>
+          <a:lstStyle/>
+          <a:p>
+            <a:pPr algn="l" defTabSz="914400">
+              <a:spcBef>
+                <a:spcPts val="1200"/>
+              </a:spcBef>
+              <a:defRPr b="1" sz="2000">
+                <a:solidFill>
+                  <a:srgbClr val="FFFFFF"/>
+                </a:solidFill>
+                <a:uFill>
+                  <a:solidFill>
+                    <a:srgbClr val="000000"/>
+                  </a:solidFill>
+                </a:uFill>
+                <a:latin typeface="Helvetica"/>
+                <a:ea typeface="Helvetica"/>
+                <a:cs typeface="Helvetica"/>
+                <a:sym typeface="Helvetica"/>
+              </a:defRPr>
+            </a:pPr>
+            <a:r>
+              <a:t>&lt;</a:t>
+            </a:r>
+            <a:r>
+              <a:rPr>
+                <a:hlinkClick r:id="rId4" invalidUrl="" action="" tgtFrame="" tooltip="" history="1" highlightClick="0" endSnd="0"/>
+              </a:rPr>
+              <a:t>https://www.icloud.com/keynote/0bCYYctIKV9_4ICVqtSe5qItQ</a:t>
+            </a:r>
+            <a:r>
+              <a:t>&gt; &lt;</a:t>
+            </a:r>
+            <a:r>
+              <a:rPr>
+                <a:hlinkClick r:id="rId5" invalidUrl="" action="" tgtFrame="" tooltip="" history="1" highlightClick="0" endSnd="0"/>
+              </a:rPr>
+              <a:t>https://www.bradford-delong.com/2020/11/covid-forecasts.html</a:t>
+            </a:r>
+            <a:r>
+              <a:t>&gt;</a:t>
+            </a:r>
+          </a:p>
+        </p:txBody>
+      </p:sp>
+      <p:pic>
+        <p:nvPicPr>
+          <p:cNvPr id="200" name="Image" descr="Image"/>
+          <p:cNvPicPr>
+            <a:picLocks noChangeAspect="0"/>
+          </p:cNvPicPr>
+          <p:nvPr/>
+        </p:nvPicPr>
+        <p:blipFill>
+          <a:blip r:embed="rId6">
+            <a:extLst/>
+          </a:blip>
+          <a:srcRect l="0" t="7419" r="0" b="0"/>
+          <a:stretch>
+            <a:fillRect/>
+          </a:stretch>
+        </p:blipFill>
+        <p:spPr>
+          <a:xfrm>
+            <a:off x="13217081" y="1507950"/>
+            <a:ext cx="10781967" cy="11568039"/>
+          </a:xfrm>
+          <a:prstGeom prst="rect">
+            <a:avLst/>
+          </a:prstGeom>
+          <a:ln w="12700">
+            <a:miter lim="400000"/>
+          </a:ln>
+        </p:spPr>
+      </p:pic>
+      <p:pic>
+        <p:nvPicPr>
+          <p:cNvPr id="201" name="Image" descr="Image"/>
+          <p:cNvPicPr>
+            <a:picLocks noChangeAspect="1"/>
+          </p:cNvPicPr>
+          <p:nvPr/>
+        </p:nvPicPr>
+        <p:blipFill>
+          <a:blip r:embed="rId7">
+            <a:extLst/>
+          </a:blip>
+          <a:stretch>
+            <a:fillRect/>
+          </a:stretch>
+        </p:blipFill>
+        <p:spPr>
+          <a:xfrm>
+            <a:off x="377206" y="2285999"/>
+            <a:ext cx="12839877" cy="7301851"/>
+          </a:xfrm>
+          <a:prstGeom prst="rect">
+            <a:avLst/>
+          </a:prstGeom>
+          <a:ln w="12700">
+            <a:miter lim="400000"/>
+          </a:ln>
+        </p:spPr>
+      </p:pic>
+      <p:sp>
+        <p:nvSpPr>
+          <p:cNvPr id="202" name="COVID Forecasts: 2020-11-26"/>
           <p:cNvSpPr txBox="1"/>
           <p:nvPr>
             <p:ph type="title"/>
@@ -5457,215 +5683,11 @@
           <a:p>
             <a:pPr/>
             <a:r>
-              <a:t>COVID Forecasts: 2020-11-12</a:t>
-            </a:r>
-          </a:p>
-        </p:txBody>
-      </p:sp>
-      <p:sp>
-        <p:nvSpPr>
-          <p:cNvPr id="200" name="&lt;https://www.icloud.com/keynote/0bCYYctIKV9_4ICVqtSe5qItQ&gt; &lt;&lt;https://www.bradford-delong.com/2020/11/covid-extrapolations-as-of-2020-11-06.html&gt;"/>
-          <p:cNvSpPr txBox="1"/>
-          <p:nvPr/>
-        </p:nvSpPr>
-        <p:spPr>
-          <a:xfrm>
-            <a:off x="377206" y="13228327"/>
-            <a:ext cx="20282471" cy="487673"/>
-          </a:xfrm>
-          <a:prstGeom prst="rect">
-            <a:avLst/>
-          </a:prstGeom>
-          <a:ln w="12700">
-            <a:miter lim="400000"/>
-          </a:ln>
-          <a:extLst>
-            <a:ext uri="{C572A759-6A51-4108-AA02-DFA0A04FC94B}">
-              <ma14:wrappingTextBoxFlag xmlns:ma14="http://schemas.microsoft.com/office/mac/drawingml/2011/main" val="1"/>
-            </a:ext>
-          </a:extLst>
-        </p:spPr>
-        <p:txBody>
-          <a:bodyPr lIns="91436" tIns="91436" rIns="91436" bIns="91436">
-            <a:spAutoFit/>
-          </a:bodyPr>
-          <a:lstStyle/>
-          <a:p>
-            <a:pPr algn="l" defTabSz="914400">
-              <a:spcBef>
-                <a:spcPts val="1200"/>
-              </a:spcBef>
-              <a:defRPr b="1" sz="2000">
-                <a:solidFill>
-                  <a:srgbClr val="FFFFFF"/>
-                </a:solidFill>
-                <a:uFill>
-                  <a:solidFill>
-                    <a:srgbClr val="000000"/>
-                  </a:solidFill>
-                </a:uFill>
-                <a:latin typeface="Helvetica"/>
-                <a:ea typeface="Helvetica"/>
-                <a:cs typeface="Helvetica"/>
-                <a:sym typeface="Helvetica"/>
-              </a:defRPr>
-            </a:pPr>
-            <a:r>
-              <a:t>&lt;</a:t>
-            </a:r>
-            <a:r>
-              <a:rPr>
-                <a:hlinkClick r:id="rId4" invalidUrl="" action="" tgtFrame="" tooltip="" history="1" highlightClick="0" endSnd="0"/>
-              </a:rPr>
-              <a:t>https://www.icloud.com/keynote/0bCYYctIKV9_4ICVqtSe5qItQ</a:t>
-            </a:r>
-            <a:r>
-              <a:t>&gt; &lt;&lt;</a:t>
-            </a:r>
-            <a:r>
-              <a:rPr>
-                <a:hlinkClick r:id="rId5" invalidUrl="" action="" tgtFrame="" tooltip="" history="1" highlightClick="0" endSnd="0"/>
-              </a:rPr>
-              <a:t>https://www.bradford-delong.com/2020/11/covid-extrapolations-as-of-2020-11-06.html</a:t>
-            </a:r>
-            <a:r>
-              <a:t>&gt;</a:t>
-            </a:r>
-          </a:p>
-        </p:txBody>
-      </p:sp>
-      <p:sp>
-        <p:nvSpPr>
-          <p:cNvPr id="201" name="The long 20th century will in all likelihood be seen in the future as the watershed in human experience:…"/>
-          <p:cNvSpPr txBox="1"/>
-          <p:nvPr/>
-        </p:nvSpPr>
-        <p:spPr>
-          <a:xfrm>
-            <a:off x="16185810" y="2286000"/>
-            <a:ext cx="7620001" cy="10789928"/>
-          </a:xfrm>
-          <a:prstGeom prst="rect">
-            <a:avLst/>
-          </a:prstGeom>
-          <a:ln w="12700">
-            <a:miter lim="400000"/>
-          </a:ln>
-        </p:spPr>
-        <p:txBody>
-          <a:bodyPr lIns="91436" tIns="91436" rIns="91436" bIns="91436"/>
-          <a:lstStyle/>
-          <a:p>
-            <a:pPr algn="l" defTabSz="821529">
-              <a:defRPr b="1" sz="1400">
-                <a:solidFill>
-                  <a:srgbClr val="000000"/>
-                </a:solidFill>
-                <a:latin typeface="Helvetica"/>
-                <a:ea typeface="Helvetica"/>
-                <a:cs typeface="Helvetica"/>
-                <a:sym typeface="Helvetica"/>
-              </a:defRPr>
-            </a:pPr>
-          </a:p>
-        </p:txBody>
-      </p:sp>
-      <p:sp>
-        <p:nvSpPr>
-          <p:cNvPr id="202" name="The long 20th century will in all likelihood be seen in the future as the watershed in human experience:…"/>
-          <p:cNvSpPr txBox="1"/>
-          <p:nvPr/>
-        </p:nvSpPr>
-        <p:spPr>
-          <a:xfrm>
-            <a:off x="8378206" y="2286000"/>
-            <a:ext cx="7620001" cy="10789928"/>
-          </a:xfrm>
-          <a:prstGeom prst="rect">
-            <a:avLst/>
-          </a:prstGeom>
-          <a:ln w="12700">
-            <a:miter lim="400000"/>
-          </a:ln>
-        </p:spPr>
-        <p:txBody>
-          <a:bodyPr lIns="91436" tIns="91436" rIns="91436" bIns="91436"/>
-          <a:lstStyle/>
-          <a:p>
-            <a:pPr algn="l" defTabSz="821529">
-              <a:defRPr b="1" sz="1400">
-                <a:solidFill>
-                  <a:srgbClr val="000000"/>
-                </a:solidFill>
-                <a:latin typeface="Helvetica"/>
-                <a:ea typeface="Helvetica"/>
-                <a:cs typeface="Helvetica"/>
-                <a:sym typeface="Helvetica"/>
-              </a:defRPr>
-            </a:pPr>
-          </a:p>
-        </p:txBody>
-      </p:sp>
-      <p:pic>
-        <p:nvPicPr>
-          <p:cNvPr id="203" name="Image" descr="Image"/>
-          <p:cNvPicPr>
-            <a:picLocks noChangeAspect="1"/>
-          </p:cNvPicPr>
-          <p:nvPr/>
-        </p:nvPicPr>
-        <p:blipFill>
-          <a:blip r:embed="rId6">
-            <a:extLst/>
-          </a:blip>
-          <a:srcRect l="0" t="0" r="0" b="27281"/>
-          <a:stretch>
-            <a:fillRect/>
-          </a:stretch>
-        </p:blipFill>
-        <p:spPr>
-          <a:xfrm>
-            <a:off x="8378206" y="2286000"/>
-            <a:ext cx="7620019" cy="10797076"/>
-          </a:xfrm>
-          <a:prstGeom prst="rect">
-            <a:avLst/>
-          </a:prstGeom>
-          <a:ln w="12700">
-            <a:miter lim="400000"/>
-          </a:ln>
-        </p:spPr>
-      </p:pic>
-      <p:pic>
-        <p:nvPicPr>
-          <p:cNvPr id="204" name="Image" descr="Image"/>
-          <p:cNvPicPr>
-            <a:picLocks noChangeAspect="0"/>
-          </p:cNvPicPr>
-          <p:nvPr/>
-        </p:nvPicPr>
-        <p:blipFill>
-          <a:blip r:embed="rId7">
-            <a:extLst/>
-          </a:blip>
-          <a:srcRect l="0" t="7419" r="0" b="0"/>
-          <a:stretch>
-            <a:fillRect/>
-          </a:stretch>
-        </p:blipFill>
-        <p:spPr>
-          <a:xfrm>
-            <a:off x="16188706" y="2580187"/>
-            <a:ext cx="5328111" cy="6356611"/>
-          </a:xfrm>
-          <a:prstGeom prst="rect">
-            <a:avLst/>
-          </a:prstGeom>
-          <a:ln w="12700">
-            <a:miter lim="400000"/>
-          </a:ln>
-        </p:spPr>
-      </p:pic>
+              <a:t>COVID Forecasts: 2020-11-26</a:t>
+            </a:r>
+          </a:p>
+        </p:txBody>
+      </p:sp>
     </p:spTree>
   </p:cSld>
   <p:clrMapOvr>
@@ -5694,7 +5716,7 @@
       </p:grpSpPr>
       <p:pic>
         <p:nvPicPr>
-          <p:cNvPr id="208" name="delong-this-is-fine.png" descr="delong-this-is-fine.png"/>
+          <p:cNvPr id="206" name="delong-this-is-fine.png" descr="delong-this-is-fine.png"/>
           <p:cNvPicPr>
             <a:picLocks noChangeAspect="1"/>
           </p:cNvPicPr>
@@ -5725,7 +5747,7 @@
       </p:pic>
       <p:sp>
         <p:nvSpPr>
-          <p:cNvPr id="209" name="2020-11-19"/>
+          <p:cNvPr id="207" name="2020-11-19"/>
           <p:cNvSpPr txBox="1"/>
           <p:nvPr/>
         </p:nvSpPr>
@@ -5781,7 +5803,7 @@
       </p:sp>
       <p:sp>
         <p:nvSpPr>
-          <p:cNvPr id="210" name="The long 20th century will in all likelihood be seen in the future as the watershed in human experience:…"/>
+          <p:cNvPr id="208" name="The long 20th century will in all likelihood be seen in the future as the watershed in human experience:…"/>
           <p:cNvSpPr txBox="1"/>
           <p:nvPr/>
         </p:nvSpPr>
@@ -5830,7 +5852,7 @@
       </p:sp>
       <p:sp>
         <p:nvSpPr>
-          <p:cNvPr id="211" name="COVID Forecasts: 2020-11-19"/>
+          <p:cNvPr id="209" name="COVID Forecasts: 2020-11-19"/>
           <p:cNvSpPr txBox="1"/>
           <p:nvPr>
             <p:ph type="title"/>
@@ -5878,7 +5900,7 @@
       </p:sp>
       <p:sp>
         <p:nvSpPr>
-          <p:cNvPr id="212" name="&lt;https://www.icloud.com/keynote/0bCYYctIKV9_4ICVqtSe5qItQ&gt; &lt;&lt;https://www.bradford-delong.com/2020/11/covid-extrapolations-as-of-2020-11-06.html&gt;"/>
+          <p:cNvPr id="210" name="&lt;https://www.icloud.com/keynote/0bCYYctIKV9_4ICVqtSe5qItQ&gt; &lt;https://www.bradford-delong.com/2020/11/covid-forecasts.html&gt;"/>
           <p:cNvSpPr txBox="1"/>
           <p:nvPr/>
         </p:nvSpPr>
@@ -5934,13 +5956,13 @@
               <a:t>https://www.icloud.com/keynote/0bCYYctIKV9_4ICVqtSe5qItQ</a:t>
             </a:r>
             <a:r>
-              <a:t>&gt; &lt;&lt;</a:t>
+              <a:t>&gt; &lt;</a:t>
             </a:r>
             <a:r>
               <a:rPr>
                 <a:hlinkClick r:id="rId5" invalidUrl="" action="" tgtFrame="" tooltip="" history="1" highlightClick="0" endSnd="0"/>
               </a:rPr>
-              <a:t>https://www.bradford-delong.com/2020/11/covid-extrapolations-as-of-2020-11-06.html</a:t>
+              <a:t>https://www.bradford-delong.com/2020/11/covid-forecasts.html</a:t>
             </a:r>
             <a:r>
               <a:t>&gt;</a:t>
@@ -5950,7 +5972,7 @@
       </p:sp>
       <p:pic>
         <p:nvPicPr>
-          <p:cNvPr id="213" name="Image" descr="Image"/>
+          <p:cNvPr id="211" name="Image" descr="Image"/>
           <p:cNvPicPr>
             <a:picLocks noChangeAspect="0"/>
           </p:cNvPicPr>
@@ -5967,8 +5989,8 @@
         </p:blipFill>
         <p:spPr>
           <a:xfrm>
-            <a:off x="13217082" y="2622271"/>
-            <a:ext cx="10781966" cy="10605903"/>
+            <a:off x="13217081" y="2622271"/>
+            <a:ext cx="10781967" cy="10605902"/>
           </a:xfrm>
           <a:prstGeom prst="rect">
             <a:avLst/>
@@ -5980,7 +6002,7 @@
       </p:pic>
       <p:pic>
         <p:nvPicPr>
-          <p:cNvPr id="214" name="Image" descr="Image"/>
+          <p:cNvPr id="212" name="Image" descr="Image"/>
           <p:cNvPicPr>
             <a:picLocks noChangeAspect="1"/>
           </p:cNvPicPr>
@@ -6035,7 +6057,7 @@
       </p:grpSpPr>
       <p:pic>
         <p:nvPicPr>
-          <p:cNvPr id="218" name="delong-this-is-fine.png" descr="delong-this-is-fine.png"/>
+          <p:cNvPr id="216" name="delong-this-is-fine.png" descr="delong-this-is-fine.png"/>
           <p:cNvPicPr>
             <a:picLocks noChangeAspect="1"/>
           </p:cNvPicPr>
@@ -6066,7 +6088,7 @@
       </p:pic>
       <p:sp>
         <p:nvSpPr>
-          <p:cNvPr id="219" name="2020-11-06"/>
+          <p:cNvPr id="217" name="2020-11-06"/>
           <p:cNvSpPr txBox="1"/>
           <p:nvPr/>
         </p:nvSpPr>
@@ -6122,7 +6144,7 @@
       </p:sp>
       <p:sp>
         <p:nvSpPr>
-          <p:cNvPr id="220" name="The long 20th century will in all likelihood be seen in the future as the watershed in human experience:…"/>
+          <p:cNvPr id="218" name="The long 20th century will in all likelihood be seen in the future as the watershed in human experience:…"/>
           <p:cNvSpPr txBox="1"/>
           <p:nvPr/>
         </p:nvSpPr>
@@ -6145,9 +6167,8 @@
         </p:spPr>
         <p:txBody>
           <a:bodyPr lIns="91436" tIns="91436" rIns="91436" bIns="91436"/>
-          <a:lstStyle/>
-          <a:p>
-            <a:pPr algn="l" defTabSz="821529">
+          <a:lstStyle>
+            <a:lvl1pPr algn="l" defTabSz="821529">
               <a:spcBef>
                 <a:spcPts val="1600"/>
               </a:spcBef>
@@ -6160,100 +6181,19 @@
                 <a:cs typeface="Times New Roman"/>
                 <a:sym typeface="Times New Roman"/>
               </a:defRPr>
-            </a:pPr>
-            <a:r>
-              <a:t>It gives me no pleasure that my simple national model of coronavirus cases—project cases back three weeks from deaths, and then extrapolate case growth out from confirmed case growth and from the number of cases per test—is running dead-on:</a:t>
-            </a:r>
-          </a:p>
-          <a:p>
-            <a:pPr marL="609600" indent="-609600" algn="l" defTabSz="821529">
-              <a:spcBef>
-                <a:spcPts val="1600"/>
-              </a:spcBef>
-              <a:buSzPct val="100000"/>
-              <a:buChar char="•"/>
-              <a:defRPr b="1" sz="3200">
-                <a:solidFill>
-                  <a:srgbClr val="000000"/>
-                </a:solidFill>
-                <a:latin typeface="Times New Roman"/>
-                <a:ea typeface="Times New Roman"/>
-                <a:cs typeface="Times New Roman"/>
-                <a:sym typeface="Times New Roman"/>
-              </a:defRPr>
-            </a:pPr>
-            <a:r>
-              <a:t>I forecast a week ago that we would have 6641 deaths in the seven days ending Th 2020-11-05.</a:t>
-            </a:r>
-          </a:p>
-          <a:p>
-            <a:pPr marL="609600" indent="-609600" algn="l" defTabSz="821529">
-              <a:spcBef>
-                <a:spcPts val="1600"/>
-              </a:spcBef>
-              <a:buSzPct val="100000"/>
-              <a:buChar char="•"/>
-              <a:defRPr b="1" sz="3200">
-                <a:solidFill>
-                  <a:srgbClr val="000000"/>
-                </a:solidFill>
-                <a:latin typeface="Times New Roman"/>
-                <a:ea typeface="Times New Roman"/>
-                <a:cs typeface="Times New Roman"/>
-                <a:sym typeface="Times New Roman"/>
-              </a:defRPr>
-            </a:pPr>
-            <a:r>
-              <a:t>We had 6805 deaths.</a:t>
-            </a:r>
-          </a:p>
-          <a:p>
-            <a:pPr marL="609600" indent="-609600" algn="l" defTabSz="821529">
-              <a:spcBef>
-                <a:spcPts val="1600"/>
-              </a:spcBef>
-              <a:buSzPct val="100000"/>
-              <a:buChar char="•"/>
-              <a:defRPr b="1" sz="3200">
-                <a:solidFill>
-                  <a:srgbClr val="000000"/>
-                </a:solidFill>
-                <a:latin typeface="Times New Roman"/>
-                <a:ea typeface="Times New Roman"/>
-                <a:cs typeface="Times New Roman"/>
-                <a:sym typeface="Times New Roman"/>
-              </a:defRPr>
-            </a:pPr>
-            <a:r>
-              <a:t>The model is now predicting that we will see 12893 deaths in the seven days ending on Thanksgiving: Th 2020-11-26. </a:t>
-            </a:r>
-          </a:p>
-          <a:p>
-            <a:pPr marL="609600" indent="-609600" algn="l" defTabSz="821529">
-              <a:spcBef>
-                <a:spcPts val="1600"/>
-              </a:spcBef>
-              <a:buSzPct val="100000"/>
-              <a:buChar char="•"/>
-              <a:defRPr b="1" sz="3200">
-                <a:solidFill>
-                  <a:srgbClr val="000000"/>
-                </a:solidFill>
-                <a:latin typeface="Times New Roman"/>
-                <a:ea typeface="Times New Roman"/>
-                <a:cs typeface="Times New Roman"/>
-                <a:sym typeface="Times New Roman"/>
-              </a:defRPr>
-            </a:pPr>
-            <a:r>
-              <a:t>And if our current inferred last-three-weeks R=1.24 were to continue, we would have 3,671,728 cases in the seven days ending on Thanksgiving.</a:t>
-            </a:r>
-          </a:p>
-        </p:txBody>
-      </p:sp>
-      <p:sp>
-        <p:nvSpPr>
-          <p:cNvPr id="221" name="COVID Forecasts: 2020-11-06"/>
+            </a:lvl1pPr>
+          </a:lstStyle>
+          <a:p>
+            <a:pPr/>
+            <a:r>
+              <a:t>It gives me no pleasure that my simple national model of coronavirus cases—project cases back three weeks from deaths, and then extrapolate case growth out from confirmed case growth and from the number of cases per test—continues to run dead-on…</a:t>
+            </a:r>
+          </a:p>
+        </p:txBody>
+      </p:sp>
+      <p:sp>
+        <p:nvSpPr>
+          <p:cNvPr id="219" name="COVID Forecasts: 2020-11-12"/>
           <p:cNvSpPr txBox="1"/>
           <p:nvPr>
             <p:ph type="title"/>
@@ -6261,8 +6201,8 @@
         </p:nvSpPr>
         <p:spPr>
           <a:xfrm>
-            <a:off x="-1" y="-1"/>
-            <a:ext cx="24384001" cy="2286001"/>
+            <a:off x="377206" y="-1"/>
+            <a:ext cx="23622001" cy="2286001"/>
           </a:xfrm>
           <a:prstGeom prst="rect">
             <a:avLst/>
@@ -6271,11 +6211,11 @@
         <p:txBody>
           <a:bodyPr lIns="91436" tIns="91436" rIns="91436" bIns="91436" anchor="ctr"/>
           <a:lstStyle>
-            <a:lvl1pPr algn="ctr" defTabSz="777240">
+            <a:lvl1pPr algn="ctr" defTabSz="758951">
               <a:lnSpc>
                 <a:spcPct val="100000"/>
               </a:lnSpc>
-              <a:defRPr spc="0" sz="13600">
+              <a:defRPr spc="0" sz="13280">
                 <a:solidFill>
                   <a:srgbClr val="000080"/>
                 </a:solidFill>
@@ -6294,14 +6234,14 @@
           <a:p>
             <a:pPr/>
             <a:r>
-              <a:t>COVID Forecasts: 2020-11-06</a:t>
-            </a:r>
-          </a:p>
-        </p:txBody>
-      </p:sp>
-      <p:sp>
-        <p:nvSpPr>
-          <p:cNvPr id="222" name="&lt;https://www.icloud.com/keynote/0bCYYctIKV9_4ICVqtSe5qItQ&gt; &lt;&lt;https://www.bradford-delong.com/2020/11/covid-extrapolations-as-of-2020-11-06.html&gt;"/>
+              <a:t>COVID Forecasts: 2020-11-12</a:t>
+            </a:r>
+          </a:p>
+        </p:txBody>
+      </p:sp>
+      <p:sp>
+        <p:nvSpPr>
+          <p:cNvPr id="220" name="&lt;https://www.icloud.com/keynote/0bCYYctIKV9_4ICVqtSe5qItQ&gt; &lt;&lt;https://www.bradford-delong.com/2020/11/covid-extrapolations-as-of-2020-11-06.html&gt;"/>
           <p:cNvSpPr txBox="1"/>
           <p:nvPr/>
         </p:nvSpPr>
@@ -6373,13 +6313,13 @@
       </p:sp>
       <p:sp>
         <p:nvSpPr>
-          <p:cNvPr id="223" name="The long 20th century will in all likelihood be seen in the future as the watershed in human experience:…"/>
+          <p:cNvPr id="221" name="The long 20th century will in all likelihood be seen in the future as the watershed in human experience:…"/>
           <p:cNvSpPr txBox="1"/>
           <p:nvPr/>
         </p:nvSpPr>
         <p:spPr>
           <a:xfrm>
-            <a:off x="16379206" y="2286000"/>
+            <a:off x="16185810" y="2286000"/>
             <a:ext cx="7620001" cy="10789928"/>
           </a:xfrm>
           <a:prstGeom prst="rect">
@@ -6409,7 +6349,7 @@
       </p:sp>
       <p:sp>
         <p:nvSpPr>
-          <p:cNvPr id="224" name="The long 20th century will in all likelihood be seen in the future as the watershed in human experience:…"/>
+          <p:cNvPr id="222" name="The long 20th century will in all likelihood be seen in the future as the watershed in human experience:…"/>
           <p:cNvSpPr txBox="1"/>
           <p:nvPr/>
         </p:nvSpPr>
@@ -6445,9 +6385,9 @@
       </p:sp>
       <p:pic>
         <p:nvPicPr>
-          <p:cNvPr id="225" name="Image" descr="Image"/>
+          <p:cNvPr id="223" name="Image" descr="Image"/>
           <p:cNvPicPr>
-            <a:picLocks noChangeAspect="0"/>
+            <a:picLocks noChangeAspect="1"/>
           </p:cNvPicPr>
           <p:nvPr/>
         </p:nvPicPr>
@@ -6455,7 +6395,7 @@
           <a:blip r:embed="rId6">
             <a:extLst/>
           </a:blip>
-          <a:srcRect l="0" t="7419" r="0" b="0"/>
+          <a:srcRect l="0" t="0" r="0" b="27281"/>
           <a:stretch>
             <a:fillRect/>
           </a:stretch>
@@ -6463,7 +6403,7 @@
         <p:spPr>
           <a:xfrm>
             <a:off x="8378206" y="2286000"/>
-            <a:ext cx="7620092" cy="10160000"/>
+            <a:ext cx="7620019" cy="10797076"/>
           </a:xfrm>
           <a:prstGeom prst="rect">
             <a:avLst/>
@@ -6475,7 +6415,7 @@
       </p:pic>
       <p:pic>
         <p:nvPicPr>
-          <p:cNvPr id="226" name="Image" descr="Image"/>
+          <p:cNvPr id="224" name="Image" descr="Image"/>
           <p:cNvPicPr>
             <a:picLocks noChangeAspect="0"/>
           </p:cNvPicPr>
@@ -6485,14 +6425,15 @@
           <a:blip r:embed="rId7">
             <a:extLst/>
           </a:blip>
+          <a:srcRect l="0" t="7419" r="0" b="0"/>
           <a:stretch>
             <a:fillRect/>
           </a:stretch>
         </p:blipFill>
         <p:spPr>
           <a:xfrm>
-            <a:off x="16379206" y="2286000"/>
-            <a:ext cx="7620001" cy="10160000"/>
+            <a:off x="16188706" y="2580187"/>
+            <a:ext cx="5328111" cy="6356611"/>
           </a:xfrm>
           <a:prstGeom prst="rect">
             <a:avLst/>
@@ -6528,33 +6469,72 @@
           <a:chExt cx="0" cy="0"/>
         </a:xfrm>
       </p:grpSpPr>
-      <p:sp>
-        <p:nvSpPr>
-          <p:cNvPr id="230" name="About the Course"/>
+      <p:pic>
+        <p:nvPicPr>
+          <p:cNvPr id="228" name="delong-this-is-fine.png" descr="delong-this-is-fine.png"/>
+          <p:cNvPicPr>
+            <a:picLocks noChangeAspect="1"/>
+          </p:cNvPicPr>
+          <p:nvPr/>
+        </p:nvPicPr>
+        <p:blipFill>
+          <a:blip r:embed="rId3">
+            <a:alphaModFix amt="25396"/>
+            <a:extLst/>
+          </a:blip>
+          <a:srcRect l="0" t="0" r="1203" b="0"/>
+          <a:stretch>
+            <a:fillRect/>
+          </a:stretch>
+        </p:blipFill>
+        <p:spPr>
+          <a:xfrm>
+            <a:off x="0" y="-3183"/>
+            <a:ext cx="24384001" cy="13722366"/>
+          </a:xfrm>
+          <a:prstGeom prst="rect">
+            <a:avLst/>
+          </a:prstGeom>
+          <a:ln w="12700">
+            <a:miter lim="400000"/>
+          </a:ln>
+        </p:spPr>
+      </p:pic>
+      <p:sp>
+        <p:nvSpPr>
+          <p:cNvPr id="229" name="2020-11-06"/>
           <p:cNvSpPr txBox="1"/>
-          <p:nvPr>
-            <p:ph type="title" idx="4294967295"/>
-          </p:nvPr>
+          <p:nvPr/>
         </p:nvSpPr>
         <p:spPr>
           <a:xfrm>
-            <a:off x="3273126" y="-5"/>
-            <a:ext cx="17780001" cy="2286001"/>
+            <a:off x="3716735" y="13228327"/>
+            <a:ext cx="20282472" cy="487673"/>
           </a:xfrm>
           <a:prstGeom prst="rect">
             <a:avLst/>
           </a:prstGeom>
-        </p:spPr>
-        <p:txBody>
-          <a:bodyPr lIns="91436" tIns="91436" rIns="91436" bIns="91436" anchor="ctr"/>
+          <a:ln w="12700">
+            <a:miter lim="400000"/>
+          </a:ln>
+          <a:extLst>
+            <a:ext uri="{C572A759-6A51-4108-AA02-DFA0A04FC94B}">
+              <ma14:wrappingTextBoxFlag xmlns:ma14="http://schemas.microsoft.com/office/mac/drawingml/2011/main" val="1"/>
+            </a:ext>
+          </a:extLst>
+        </p:spPr>
+        <p:txBody>
+          <a:bodyPr lIns="91436" tIns="91436" rIns="91436" bIns="91436">
+            <a:spAutoFit/>
+          </a:bodyPr>
           <a:lstStyle>
-            <a:lvl1pPr algn="ctr" defTabSz="777240">
-              <a:lnSpc>
-                <a:spcPct val="100000"/>
-              </a:lnSpc>
-              <a:defRPr spc="0" sz="13600">
+            <a:lvl1pPr algn="r" defTabSz="914400">
+              <a:spcBef>
+                <a:spcPts val="1200"/>
+              </a:spcBef>
+              <a:defRPr b="1" sz="2000">
                 <a:solidFill>
-                  <a:srgbClr val="800000"/>
+                  <a:srgbClr val="FFFFFF"/>
                 </a:solidFill>
                 <a:uFill>
                   <a:solidFill>
@@ -6571,42 +6551,227 @@
           <a:p>
             <a:pPr/>
             <a:r>
-              <a:t>Catch Our Breath</a:t>
-            </a:r>
-          </a:p>
-        </p:txBody>
-      </p:sp>
-      <p:sp>
-        <p:nvSpPr>
-          <p:cNvPr id="231" name="The long 20th century will in all likelihood be seen in the future as the watershed in human experience:…"/>
+              <a:t>2020-11-06</a:t>
+            </a:r>
+          </a:p>
+        </p:txBody>
+      </p:sp>
+      <p:sp>
+        <p:nvSpPr>
+          <p:cNvPr id="230" name="The long 20th century will in all likelihood be seen in the future as the watershed in human experience:…"/>
+          <p:cNvSpPr txBox="1"/>
+          <p:nvPr/>
+        </p:nvSpPr>
+        <p:spPr>
+          <a:xfrm>
+            <a:off x="377206" y="2286000"/>
+            <a:ext cx="7620001" cy="10789928"/>
+          </a:xfrm>
+          <a:prstGeom prst="rect">
+            <a:avLst/>
+          </a:prstGeom>
+          <a:ln w="12700">
+            <a:miter lim="400000"/>
+          </a:ln>
+          <a:extLst>
+            <a:ext uri="{C572A759-6A51-4108-AA02-DFA0A04FC94B}">
+              <ma14:wrappingTextBoxFlag xmlns:ma14="http://schemas.microsoft.com/office/mac/drawingml/2011/main" val="1"/>
+            </a:ext>
+          </a:extLst>
+        </p:spPr>
+        <p:txBody>
+          <a:bodyPr lIns="91436" tIns="91436" rIns="91436" bIns="91436"/>
+          <a:lstStyle/>
+          <a:p>
+            <a:pPr algn="l" defTabSz="821529">
+              <a:spcBef>
+                <a:spcPts val="1600"/>
+              </a:spcBef>
+              <a:defRPr b="1" sz="3200">
+                <a:solidFill>
+                  <a:srgbClr val="000000"/>
+                </a:solidFill>
+                <a:latin typeface="Times New Roman"/>
+                <a:ea typeface="Times New Roman"/>
+                <a:cs typeface="Times New Roman"/>
+                <a:sym typeface="Times New Roman"/>
+              </a:defRPr>
+            </a:pPr>
+            <a:r>
+              <a:t>It gives me no pleasure that my simple national model of coronavirus cases—project cases back three weeks from deaths, and then extrapolate case growth out from confirmed case growth and from the number of cases per test—is running dead-on:</a:t>
+            </a:r>
+          </a:p>
+          <a:p>
+            <a:pPr marL="609600" indent="-609600" algn="l" defTabSz="821529">
+              <a:spcBef>
+                <a:spcPts val="1600"/>
+              </a:spcBef>
+              <a:buSzPct val="100000"/>
+              <a:buChar char="•"/>
+              <a:defRPr b="1" sz="3200">
+                <a:solidFill>
+                  <a:srgbClr val="000000"/>
+                </a:solidFill>
+                <a:latin typeface="Times New Roman"/>
+                <a:ea typeface="Times New Roman"/>
+                <a:cs typeface="Times New Roman"/>
+                <a:sym typeface="Times New Roman"/>
+              </a:defRPr>
+            </a:pPr>
+            <a:r>
+              <a:t>I forecast a week ago that we would have 6641 deaths in the seven days ending Th 2020-11-05.</a:t>
+            </a:r>
+          </a:p>
+          <a:p>
+            <a:pPr marL="609600" indent="-609600" algn="l" defTabSz="821529">
+              <a:spcBef>
+                <a:spcPts val="1600"/>
+              </a:spcBef>
+              <a:buSzPct val="100000"/>
+              <a:buChar char="•"/>
+              <a:defRPr b="1" sz="3200">
+                <a:solidFill>
+                  <a:srgbClr val="000000"/>
+                </a:solidFill>
+                <a:latin typeface="Times New Roman"/>
+                <a:ea typeface="Times New Roman"/>
+                <a:cs typeface="Times New Roman"/>
+                <a:sym typeface="Times New Roman"/>
+              </a:defRPr>
+            </a:pPr>
+            <a:r>
+              <a:t>We had 6805 deaths.</a:t>
+            </a:r>
+          </a:p>
+          <a:p>
+            <a:pPr marL="609600" indent="-609600" algn="l" defTabSz="821529">
+              <a:spcBef>
+                <a:spcPts val="1600"/>
+              </a:spcBef>
+              <a:buSzPct val="100000"/>
+              <a:buChar char="•"/>
+              <a:defRPr b="1" sz="3200">
+                <a:solidFill>
+                  <a:srgbClr val="000000"/>
+                </a:solidFill>
+                <a:latin typeface="Times New Roman"/>
+                <a:ea typeface="Times New Roman"/>
+                <a:cs typeface="Times New Roman"/>
+                <a:sym typeface="Times New Roman"/>
+              </a:defRPr>
+            </a:pPr>
+            <a:r>
+              <a:t>The model is now predicting that we will see 12893 deaths in the seven days ending on Thanksgiving: Th 2020-11-26. </a:t>
+            </a:r>
+          </a:p>
+          <a:p>
+            <a:pPr marL="609600" indent="-609600" algn="l" defTabSz="821529">
+              <a:spcBef>
+                <a:spcPts val="1600"/>
+              </a:spcBef>
+              <a:buSzPct val="100000"/>
+              <a:buChar char="•"/>
+              <a:defRPr b="1" sz="3200">
+                <a:solidFill>
+                  <a:srgbClr val="000000"/>
+                </a:solidFill>
+                <a:latin typeface="Times New Roman"/>
+                <a:ea typeface="Times New Roman"/>
+                <a:cs typeface="Times New Roman"/>
+                <a:sym typeface="Times New Roman"/>
+              </a:defRPr>
+            </a:pPr>
+            <a:r>
+              <a:t>And if our current inferred last-three-weeks R=1.24 were to continue, we would have 3,671,728 cases in the seven days ending on Thanksgiving.</a:t>
+            </a:r>
+          </a:p>
+        </p:txBody>
+      </p:sp>
+      <p:sp>
+        <p:nvSpPr>
+          <p:cNvPr id="231" name="COVID Forecasts: 2020-11-06"/>
           <p:cNvSpPr txBox="1"/>
           <p:nvPr>
-            <p:ph type="body" idx="4294967295"/>
+            <p:ph type="title"/>
           </p:nvPr>
         </p:nvSpPr>
         <p:spPr>
           <a:xfrm>
-            <a:off x="497101" y="2285995"/>
-            <a:ext cx="12572024" cy="10795001"/>
+            <a:off x="-1" y="-1"/>
+            <a:ext cx="24384001" cy="2286001"/>
           </a:xfrm>
           <a:prstGeom prst="rect">
             <a:avLst/>
           </a:prstGeom>
         </p:spPr>
         <p:txBody>
-          <a:bodyPr lIns="91436" tIns="91436" rIns="91436" bIns="91436"/>
-          <a:lstStyle/>
-          <a:p>
-            <a:pPr marL="0" indent="0" defTabSz="914400">
+          <a:bodyPr lIns="91436" tIns="91436" rIns="91436" bIns="91436" anchor="ctr"/>
+          <a:lstStyle>
+            <a:lvl1pPr algn="ctr" defTabSz="777240">
               <a:lnSpc>
                 <a:spcPct val="100000"/>
               </a:lnSpc>
+              <a:defRPr spc="0" sz="13600">
+                <a:solidFill>
+                  <a:srgbClr val="000080"/>
+                </a:solidFill>
+                <a:uFill>
+                  <a:solidFill>
+                    <a:srgbClr val="000000"/>
+                  </a:solidFill>
+                </a:uFill>
+                <a:latin typeface="Helvetica"/>
+                <a:ea typeface="Helvetica"/>
+                <a:cs typeface="Helvetica"/>
+                <a:sym typeface="Helvetica"/>
+              </a:defRPr>
+            </a:lvl1pPr>
+          </a:lstStyle>
+          <a:p>
+            <a:pPr/>
+            <a:r>
+              <a:t>COVID Forecasts: 2020-11-06</a:t>
+            </a:r>
+          </a:p>
+        </p:txBody>
+      </p:sp>
+      <p:sp>
+        <p:nvSpPr>
+          <p:cNvPr id="232" name="&lt;https://www.icloud.com/keynote/0bCYYctIKV9_4ICVqtSe5qItQ&gt; &lt;&lt;https://www.bradford-delong.com/2020/11/covid-extrapolations-as-of-2020-11-06.html&gt;"/>
+          <p:cNvSpPr txBox="1"/>
+          <p:nvPr/>
+        </p:nvSpPr>
+        <p:spPr>
+          <a:xfrm>
+            <a:off x="377206" y="13228327"/>
+            <a:ext cx="20282471" cy="487673"/>
+          </a:xfrm>
+          <a:prstGeom prst="rect">
+            <a:avLst/>
+          </a:prstGeom>
+          <a:ln w="12700">
+            <a:miter lim="400000"/>
+          </a:ln>
+          <a:extLst>
+            <a:ext uri="{C572A759-6A51-4108-AA02-DFA0A04FC94B}">
+              <ma14:wrappingTextBoxFlag xmlns:ma14="http://schemas.microsoft.com/office/mac/drawingml/2011/main" val="1"/>
+            </a:ext>
+          </a:extLst>
+        </p:spPr>
+        <p:txBody>
+          <a:bodyPr lIns="91436" tIns="91436" rIns="91436" bIns="91436">
+            <a:spAutoFit/>
+          </a:bodyPr>
+          <a:lstStyle/>
+          <a:p>
+            <a:pPr algn="l" defTabSz="914400">
               <a:spcBef>
-                <a:spcPts val="4000"/>
+                <a:spcPts val="1200"/>
               </a:spcBef>
-              <a:buSzTx/>
-              <a:buNone/>
-              <a:defRPr b="1" sz="6000">
+              <a:defRPr b="1" sz="2000">
+                <a:solidFill>
+                  <a:srgbClr val="FFFFFF"/>
+                </a:solidFill>
                 <a:uFill>
                   <a:solidFill>
                     <a:srgbClr val="000000"/>
@@ -6619,108 +6784,141 @@
               </a:defRPr>
             </a:pPr>
             <a:r>
-              <a:t>Let’s reflect on what we have just heard &amp; seen…</a:t>
-            </a:r>
-          </a:p>
-          <a:p>
-            <a:pPr marL="914400" indent="-914400" defTabSz="740662">
-              <a:lnSpc>
-                <a:spcPct val="100000"/>
-              </a:lnSpc>
-              <a:spcBef>
-                <a:spcPts val="1600"/>
-              </a:spcBef>
-              <a:buSzPct val="100000"/>
-              <a:buAutoNum type="arabicPeriod" startAt="1"/>
-              <a:tabLst>
-                <a:tab pos="444500" algn="l"/>
-              </a:tabLst>
-              <a:defRPr>
-                <a:uFill>
-                  <a:solidFill>
-                    <a:srgbClr val="000000"/>
-                  </a:solidFill>
-                </a:uFill>
-                <a:latin typeface="Times New Roman"/>
-                <a:ea typeface="Times New Roman"/>
-                <a:cs typeface="Times New Roman"/>
-                <a:sym typeface="Times New Roman"/>
+              <a:t>&lt;</a:t>
+            </a:r>
+            <a:r>
+              <a:rPr>
+                <a:hlinkClick r:id="rId4" invalidUrl="" action="" tgtFrame="" tooltip="" history="1" highlightClick="0" endSnd="0"/>
+              </a:rPr>
+              <a:t>https://www.icloud.com/keynote/0bCYYctIKV9_4ICVqtSe5qItQ</a:t>
+            </a:r>
+            <a:r>
+              <a:t>&gt; &lt;&lt;</a:t>
+            </a:r>
+            <a:r>
+              <a:rPr>
+                <a:hlinkClick r:id="rId5" invalidUrl="" action="" tgtFrame="" tooltip="" history="1" highlightClick="0" endSnd="0"/>
+              </a:rPr>
+              <a:t>https://www.bradford-delong.com/2020/11/covid-extrapolations-as-of-2020-11-06.html</a:t>
+            </a:r>
+            <a:r>
+              <a:t>&gt;</a:t>
+            </a:r>
+          </a:p>
+        </p:txBody>
+      </p:sp>
+      <p:sp>
+        <p:nvSpPr>
+          <p:cNvPr id="233" name="The long 20th century will in all likelihood be seen in the future as the watershed in human experience:…"/>
+          <p:cNvSpPr txBox="1"/>
+          <p:nvPr/>
+        </p:nvSpPr>
+        <p:spPr>
+          <a:xfrm>
+            <a:off x="16379206" y="2286000"/>
+            <a:ext cx="7620001" cy="10789928"/>
+          </a:xfrm>
+          <a:prstGeom prst="rect">
+            <a:avLst/>
+          </a:prstGeom>
+          <a:ln w="12700">
+            <a:miter lim="400000"/>
+          </a:ln>
+        </p:spPr>
+        <p:txBody>
+          <a:bodyPr lIns="91436" tIns="91436" rIns="91436" bIns="91436"/>
+          <a:lstStyle/>
+          <a:p>
+            <a:pPr algn="l" defTabSz="821529">
+              <a:defRPr b="1" sz="1400">
+                <a:solidFill>
+                  <a:srgbClr val="000000"/>
+                </a:solidFill>
+                <a:latin typeface="Helvetica"/>
+                <a:ea typeface="Helvetica"/>
+                <a:cs typeface="Helvetica"/>
+                <a:sym typeface="Helvetica"/>
               </a:defRPr>
             </a:pPr>
-            <a:r>
-              <a:t>Comments</a:t>
-            </a:r>
-          </a:p>
-          <a:p>
-            <a:pPr marL="914400" indent="-914400" defTabSz="740662">
-              <a:lnSpc>
-                <a:spcPct val="100000"/>
-              </a:lnSpc>
-              <a:spcBef>
-                <a:spcPts val="1600"/>
-              </a:spcBef>
-              <a:buSzPct val="100000"/>
-              <a:buAutoNum type="arabicPeriod" startAt="1"/>
-              <a:tabLst>
-                <a:tab pos="444500" algn="l"/>
-              </a:tabLst>
-              <a:defRPr>
-                <a:uFill>
-                  <a:solidFill>
-                    <a:srgbClr val="000000"/>
-                  </a:solidFill>
-                </a:uFill>
-                <a:latin typeface="Times New Roman"/>
-                <a:ea typeface="Times New Roman"/>
-                <a:cs typeface="Times New Roman"/>
-                <a:sym typeface="Times New Roman"/>
+          </a:p>
+        </p:txBody>
+      </p:sp>
+      <p:sp>
+        <p:nvSpPr>
+          <p:cNvPr id="234" name="The long 20th century will in all likelihood be seen in the future as the watershed in human experience:…"/>
+          <p:cNvSpPr txBox="1"/>
+          <p:nvPr/>
+        </p:nvSpPr>
+        <p:spPr>
+          <a:xfrm>
+            <a:off x="8378206" y="2286000"/>
+            <a:ext cx="7620001" cy="10789928"/>
+          </a:xfrm>
+          <a:prstGeom prst="rect">
+            <a:avLst/>
+          </a:prstGeom>
+          <a:ln w="12700">
+            <a:miter lim="400000"/>
+          </a:ln>
+        </p:spPr>
+        <p:txBody>
+          <a:bodyPr lIns="91436" tIns="91436" rIns="91436" bIns="91436"/>
+          <a:lstStyle/>
+          <a:p>
+            <a:pPr algn="l" defTabSz="821529">
+              <a:defRPr b="1" sz="1400">
+                <a:solidFill>
+                  <a:srgbClr val="000000"/>
+                </a:solidFill>
+                <a:latin typeface="Helvetica"/>
+                <a:ea typeface="Helvetica"/>
+                <a:cs typeface="Helvetica"/>
+                <a:sym typeface="Helvetica"/>
               </a:defRPr>
             </a:pPr>
-            <a:r>
-              <a:t>Questions</a:t>
-            </a:r>
-          </a:p>
-          <a:p>
-            <a:pPr marL="914400" indent="-914400" defTabSz="740662">
-              <a:lnSpc>
-                <a:spcPct val="100000"/>
-              </a:lnSpc>
-              <a:spcBef>
-                <a:spcPts val="1600"/>
-              </a:spcBef>
-              <a:buSzPct val="100000"/>
-              <a:buAutoNum type="arabicPeriod" startAt="1"/>
-              <a:tabLst>
-                <a:tab pos="444500" algn="l"/>
-              </a:tabLst>
-              <a:defRPr>
-                <a:uFill>
-                  <a:solidFill>
-                    <a:srgbClr val="000000"/>
-                  </a:solidFill>
-                </a:uFill>
-                <a:latin typeface="Times New Roman"/>
-                <a:ea typeface="Times New Roman"/>
-                <a:cs typeface="Times New Roman"/>
-                <a:sym typeface="Times New Roman"/>
-              </a:defRPr>
-            </a:pPr>
-            <a:r>
-              <a:t>Readings</a:t>
-            </a:r>
           </a:p>
         </p:txBody>
       </p:sp>
       <p:pic>
         <p:nvPicPr>
-          <p:cNvPr id="232" name="Image" descr="Image"/>
+          <p:cNvPr id="235" name="Image" descr="Image"/>
           <p:cNvPicPr>
-            <a:picLocks noChangeAspect="1"/>
+            <a:picLocks noChangeAspect="0"/>
           </p:cNvPicPr>
           <p:nvPr/>
         </p:nvPicPr>
         <p:blipFill>
-          <a:blip r:embed="rId2">
+          <a:blip r:embed="rId6">
+            <a:extLst/>
+          </a:blip>
+          <a:srcRect l="0" t="7419" r="0" b="0"/>
+          <a:stretch>
+            <a:fillRect/>
+          </a:stretch>
+        </p:blipFill>
+        <p:spPr>
+          <a:xfrm>
+            <a:off x="8378206" y="2286000"/>
+            <a:ext cx="7620092" cy="10160000"/>
+          </a:xfrm>
+          <a:prstGeom prst="rect">
+            <a:avLst/>
+          </a:prstGeom>
+          <a:ln w="12700">
+            <a:miter lim="400000"/>
+          </a:ln>
+        </p:spPr>
+      </p:pic>
+      <p:pic>
+        <p:nvPicPr>
+          <p:cNvPr id="236" name="Image" descr="Image"/>
+          <p:cNvPicPr>
+            <a:picLocks noChangeAspect="0"/>
+          </p:cNvPicPr>
+          <p:nvPr/>
+        </p:nvPicPr>
+        <p:blipFill>
+          <a:blip r:embed="rId7">
             <a:extLst/>
           </a:blip>
           <a:stretch>
@@ -6729,8 +6927,8 @@
         </p:blipFill>
         <p:spPr>
           <a:xfrm>
-            <a:off x="13069123" y="2285995"/>
-            <a:ext cx="11035129" cy="11035126"/>
+            <a:off x="16379206" y="2286000"/>
+            <a:ext cx="7620001" cy="10160000"/>
           </a:xfrm>
           <a:prstGeom prst="rect">
             <a:avLst/>
@@ -6768,7 +6966,7 @@
       </p:grpSpPr>
       <p:sp>
         <p:nvSpPr>
-          <p:cNvPr id="234" name="About the Course"/>
+          <p:cNvPr id="240" name="About the Course"/>
           <p:cNvSpPr txBox="1"/>
           <p:nvPr>
             <p:ph type="title" idx="4294967295"/>
@@ -6776,8 +6974,8 @@
         </p:nvSpPr>
         <p:spPr>
           <a:xfrm>
-            <a:off x="0" y="-5"/>
-            <a:ext cx="24384001" cy="2286001"/>
+            <a:off x="3273126" y="-5"/>
+            <a:ext cx="17780001" cy="2286001"/>
           </a:xfrm>
           <a:prstGeom prst="rect">
             <a:avLst/>
@@ -6786,11 +6984,11 @@
         <p:txBody>
           <a:bodyPr lIns="91436" tIns="91436" rIns="91436" bIns="91436" anchor="ctr"/>
           <a:lstStyle>
-            <a:lvl1pPr algn="ctr" defTabSz="768095">
+            <a:lvl1pPr algn="ctr" defTabSz="777240">
               <a:lnSpc>
                 <a:spcPct val="100000"/>
               </a:lnSpc>
-              <a:defRPr spc="0" sz="13439">
+              <a:defRPr spc="0" sz="13600">
                 <a:solidFill>
                   <a:srgbClr val="800000"/>
                 </a:solidFill>
@@ -6809,11 +7007,175 @@
           <a:p>
             <a:pPr/>
             <a:r>
-              <a:t>========================</a:t>
-            </a:r>
-          </a:p>
-        </p:txBody>
-      </p:sp>
+              <a:t>Catch Our Breath</a:t>
+            </a:r>
+          </a:p>
+        </p:txBody>
+      </p:sp>
+      <p:sp>
+        <p:nvSpPr>
+          <p:cNvPr id="241" name="The long 20th century will in all likelihood be seen in the future as the watershed in human experience:…"/>
+          <p:cNvSpPr txBox="1"/>
+          <p:nvPr>
+            <p:ph type="body" idx="4294967295"/>
+          </p:nvPr>
+        </p:nvSpPr>
+        <p:spPr>
+          <a:xfrm>
+            <a:off x="497101" y="2285995"/>
+            <a:ext cx="12572024" cy="10795001"/>
+          </a:xfrm>
+          <a:prstGeom prst="rect">
+            <a:avLst/>
+          </a:prstGeom>
+        </p:spPr>
+        <p:txBody>
+          <a:bodyPr lIns="91436" tIns="91436" rIns="91436" bIns="91436"/>
+          <a:lstStyle/>
+          <a:p>
+            <a:pPr marL="0" indent="0" defTabSz="914400">
+              <a:lnSpc>
+                <a:spcPct val="100000"/>
+              </a:lnSpc>
+              <a:spcBef>
+                <a:spcPts val="4000"/>
+              </a:spcBef>
+              <a:buSzTx/>
+              <a:buNone/>
+              <a:defRPr b="1" sz="6000">
+                <a:uFill>
+                  <a:solidFill>
+                    <a:srgbClr val="000000"/>
+                  </a:solidFill>
+                </a:uFill>
+                <a:latin typeface="Helvetica"/>
+                <a:ea typeface="Helvetica"/>
+                <a:cs typeface="Helvetica"/>
+                <a:sym typeface="Helvetica"/>
+              </a:defRPr>
+            </a:pPr>
+            <a:r>
+              <a:t>Let’s reflect on what we have just heard &amp; seen…</a:t>
+            </a:r>
+          </a:p>
+          <a:p>
+            <a:pPr marL="914400" indent="-914400" defTabSz="740662">
+              <a:lnSpc>
+                <a:spcPct val="100000"/>
+              </a:lnSpc>
+              <a:spcBef>
+                <a:spcPts val="1600"/>
+              </a:spcBef>
+              <a:buSzPct val="100000"/>
+              <a:buAutoNum type="arabicPeriod" startAt="1"/>
+              <a:tabLst>
+                <a:tab pos="444500" algn="l"/>
+              </a:tabLst>
+              <a:defRPr>
+                <a:uFill>
+                  <a:solidFill>
+                    <a:srgbClr val="000000"/>
+                  </a:solidFill>
+                </a:uFill>
+                <a:latin typeface="Times New Roman"/>
+                <a:ea typeface="Times New Roman"/>
+                <a:cs typeface="Times New Roman"/>
+                <a:sym typeface="Times New Roman"/>
+              </a:defRPr>
+            </a:pPr>
+            <a:r>
+              <a:t>Comments</a:t>
+            </a:r>
+          </a:p>
+          <a:p>
+            <a:pPr marL="914400" indent="-914400" defTabSz="740662">
+              <a:lnSpc>
+                <a:spcPct val="100000"/>
+              </a:lnSpc>
+              <a:spcBef>
+                <a:spcPts val="1600"/>
+              </a:spcBef>
+              <a:buSzPct val="100000"/>
+              <a:buAutoNum type="arabicPeriod" startAt="1"/>
+              <a:tabLst>
+                <a:tab pos="444500" algn="l"/>
+              </a:tabLst>
+              <a:defRPr>
+                <a:uFill>
+                  <a:solidFill>
+                    <a:srgbClr val="000000"/>
+                  </a:solidFill>
+                </a:uFill>
+                <a:latin typeface="Times New Roman"/>
+                <a:ea typeface="Times New Roman"/>
+                <a:cs typeface="Times New Roman"/>
+                <a:sym typeface="Times New Roman"/>
+              </a:defRPr>
+            </a:pPr>
+            <a:r>
+              <a:t>Questions</a:t>
+            </a:r>
+          </a:p>
+          <a:p>
+            <a:pPr marL="914400" indent="-914400" defTabSz="740662">
+              <a:lnSpc>
+                <a:spcPct val="100000"/>
+              </a:lnSpc>
+              <a:spcBef>
+                <a:spcPts val="1600"/>
+              </a:spcBef>
+              <a:buSzPct val="100000"/>
+              <a:buAutoNum type="arabicPeriod" startAt="1"/>
+              <a:tabLst>
+                <a:tab pos="444500" algn="l"/>
+              </a:tabLst>
+              <a:defRPr>
+                <a:uFill>
+                  <a:solidFill>
+                    <a:srgbClr val="000000"/>
+                  </a:solidFill>
+                </a:uFill>
+                <a:latin typeface="Times New Roman"/>
+                <a:ea typeface="Times New Roman"/>
+                <a:cs typeface="Times New Roman"/>
+                <a:sym typeface="Times New Roman"/>
+              </a:defRPr>
+            </a:pPr>
+            <a:r>
+              <a:t>Readings</a:t>
+            </a:r>
+          </a:p>
+        </p:txBody>
+      </p:sp>
+      <p:pic>
+        <p:nvPicPr>
+          <p:cNvPr id="242" name="Image" descr="Image"/>
+          <p:cNvPicPr>
+            <a:picLocks noChangeAspect="1"/>
+          </p:cNvPicPr>
+          <p:nvPr/>
+        </p:nvPicPr>
+        <p:blipFill>
+          <a:blip r:embed="rId2">
+            <a:extLst/>
+          </a:blip>
+          <a:stretch>
+            <a:fillRect/>
+          </a:stretch>
+        </p:blipFill>
+        <p:spPr>
+          <a:xfrm>
+            <a:off x="13069123" y="2285995"/>
+            <a:ext cx="11035129" cy="11035126"/>
+          </a:xfrm>
+          <a:prstGeom prst="rect">
+            <a:avLst/>
+          </a:prstGeom>
+          <a:ln w="12700">
+            <a:miter lim="400000"/>
+          </a:ln>
+        </p:spPr>
+      </p:pic>
     </p:spTree>
   </p:cSld>
   <p:clrMapOvr>
@@ -6840,9 +7202,83 @@
           <a:chExt cx="0" cy="0"/>
         </a:xfrm>
       </p:grpSpPr>
+      <p:sp>
+        <p:nvSpPr>
+          <p:cNvPr id="244" name="About the Course"/>
+          <p:cNvSpPr txBox="1"/>
+          <p:nvPr>
+            <p:ph type="title" idx="4294967295"/>
+          </p:nvPr>
+        </p:nvSpPr>
+        <p:spPr>
+          <a:xfrm>
+            <a:off x="0" y="-5"/>
+            <a:ext cx="24384001" cy="2286001"/>
+          </a:xfrm>
+          <a:prstGeom prst="rect">
+            <a:avLst/>
+          </a:prstGeom>
+        </p:spPr>
+        <p:txBody>
+          <a:bodyPr lIns="91436" tIns="91436" rIns="91436" bIns="91436" anchor="ctr"/>
+          <a:lstStyle>
+            <a:lvl1pPr algn="ctr" defTabSz="768095">
+              <a:lnSpc>
+                <a:spcPct val="100000"/>
+              </a:lnSpc>
+              <a:defRPr spc="0" sz="13439">
+                <a:solidFill>
+                  <a:srgbClr val="800000"/>
+                </a:solidFill>
+                <a:uFill>
+                  <a:solidFill>
+                    <a:srgbClr val="000000"/>
+                  </a:solidFill>
+                </a:uFill>
+                <a:latin typeface="Helvetica"/>
+                <a:ea typeface="Helvetica"/>
+                <a:cs typeface="Helvetica"/>
+                <a:sym typeface="Helvetica"/>
+              </a:defRPr>
+            </a:lvl1pPr>
+          </a:lstStyle>
+          <a:p>
+            <a:pPr/>
+            <a:r>
+              <a:t>========================</a:t>
+            </a:r>
+          </a:p>
+        </p:txBody>
+      </p:sp>
+    </p:spTree>
+  </p:cSld>
+  <p:clrMapOvr>
+    <a:masterClrMapping/>
+  </p:clrMapOvr>
+  <p:transition xmlns:p14="http://schemas.microsoft.com/office/powerpoint/2010/main" spd="med" advClick="1"/>
+</p:sld>
+</file>
+
+<file path=ppt/slides/slide7.xml><?xml version="1.0" encoding="utf-8"?>
+<p:sld xmlns:a="http://schemas.openxmlformats.org/drawingml/2006/main" xmlns:r="http://schemas.openxmlformats.org/officeDocument/2006/relationships" xmlns:p="http://schemas.openxmlformats.org/presentationml/2006/main" xmlns:m="http://schemas.openxmlformats.org/officeDocument/2006/math" xmlns:a14="http://schemas.microsoft.com/office/drawing/2010/main" showMasterSp="1" showMasterPhAnim="1">
+  <p:cSld>
+    <p:spTree>
+      <p:nvGrpSpPr>
+        <p:cNvPr id="1" name=""/>
+        <p:cNvGrpSpPr/>
+        <p:nvPr/>
+      </p:nvGrpSpPr>
+      <p:grpSpPr>
+        <a:xfrm>
+          <a:off x="0" y="0"/>
+          <a:ext cx="0" cy="0"/>
+          <a:chOff x="0" y="0"/>
+          <a:chExt cx="0" cy="0"/>
+        </a:xfrm>
+      </p:grpSpPr>
       <p:pic>
         <p:nvPicPr>
-          <p:cNvPr id="236" name="delong-this-is-fine.png" descr="delong-this-is-fine.png"/>
+          <p:cNvPr id="246" name="delong-this-is-fine.png" descr="delong-this-is-fine.png"/>
           <p:cNvPicPr>
             <a:picLocks noChangeAspect="1"/>
           </p:cNvPicPr>
